--- a/assets/img/news_img/template.pptx
+++ b/assets/img/news_img/template.pptx
@@ -104,6 +104,11 @@
       </a:defRPr>
     </a:lvl9pPr>
   </p:defaultTextStyle>
+  <p:extLst>
+    <p:ext uri="{EFAFB233-063F-42B5-8137-9DF3F51BA10A}">
+      <p15:sldGuideLst xmlns:p15="http://schemas.microsoft.com/office/powerpoint/2012/main"/>
+    </p:ext>
+  </p:extLst>
 </p:presentation>
 </file>
 
@@ -254,7 +259,7 @@
           <a:p>
             <a:fld id="{BFB4A8D9-856A-4BB4-A838-9D66C91E7606}" type="datetimeFigureOut">
               <a:rPr lang="en-US" smtClean="0"/>
-              <a:t>4/8/2023</a:t>
+              <a:t>4/23/2023</a:t>
             </a:fld>
             <a:endParaRPr lang="en-US"/>
           </a:p>
@@ -452,7 +457,7 @@
           <a:p>
             <a:fld id="{BFB4A8D9-856A-4BB4-A838-9D66C91E7606}" type="datetimeFigureOut">
               <a:rPr lang="en-US" smtClean="0"/>
-              <a:t>4/8/2023</a:t>
+              <a:t>4/23/2023</a:t>
             </a:fld>
             <a:endParaRPr lang="en-US"/>
           </a:p>
@@ -660,7 +665,7 @@
           <a:p>
             <a:fld id="{BFB4A8D9-856A-4BB4-A838-9D66C91E7606}" type="datetimeFigureOut">
               <a:rPr lang="en-US" smtClean="0"/>
-              <a:t>4/8/2023</a:t>
+              <a:t>4/23/2023</a:t>
             </a:fld>
             <a:endParaRPr lang="en-US"/>
           </a:p>
@@ -858,7 +863,7 @@
           <a:p>
             <a:fld id="{BFB4A8D9-856A-4BB4-A838-9D66C91E7606}" type="datetimeFigureOut">
               <a:rPr lang="en-US" smtClean="0"/>
-              <a:t>4/8/2023</a:t>
+              <a:t>4/23/2023</a:t>
             </a:fld>
             <a:endParaRPr lang="en-US"/>
           </a:p>
@@ -1133,7 +1138,7 @@
           <a:p>
             <a:fld id="{BFB4A8D9-856A-4BB4-A838-9D66C91E7606}" type="datetimeFigureOut">
               <a:rPr lang="en-US" smtClean="0"/>
-              <a:t>4/8/2023</a:t>
+              <a:t>4/23/2023</a:t>
             </a:fld>
             <a:endParaRPr lang="en-US"/>
           </a:p>
@@ -1398,7 +1403,7 @@
           <a:p>
             <a:fld id="{BFB4A8D9-856A-4BB4-A838-9D66C91E7606}" type="datetimeFigureOut">
               <a:rPr lang="en-US" smtClean="0"/>
-              <a:t>4/8/2023</a:t>
+              <a:t>4/23/2023</a:t>
             </a:fld>
             <a:endParaRPr lang="en-US"/>
           </a:p>
@@ -1810,7 +1815,7 @@
           <a:p>
             <a:fld id="{BFB4A8D9-856A-4BB4-A838-9D66C91E7606}" type="datetimeFigureOut">
               <a:rPr lang="en-US" smtClean="0"/>
-              <a:t>4/8/2023</a:t>
+              <a:t>4/23/2023</a:t>
             </a:fld>
             <a:endParaRPr lang="en-US"/>
           </a:p>
@@ -1951,7 +1956,7 @@
           <a:p>
             <a:fld id="{BFB4A8D9-856A-4BB4-A838-9D66C91E7606}" type="datetimeFigureOut">
               <a:rPr lang="en-US" smtClean="0"/>
-              <a:t>4/8/2023</a:t>
+              <a:t>4/23/2023</a:t>
             </a:fld>
             <a:endParaRPr lang="en-US"/>
           </a:p>
@@ -2064,7 +2069,7 @@
           <a:p>
             <a:fld id="{BFB4A8D9-856A-4BB4-A838-9D66C91E7606}" type="datetimeFigureOut">
               <a:rPr lang="en-US" smtClean="0"/>
-              <a:t>4/8/2023</a:t>
+              <a:t>4/23/2023</a:t>
             </a:fld>
             <a:endParaRPr lang="en-US"/>
           </a:p>
@@ -2375,7 +2380,7 @@
           <a:p>
             <a:fld id="{BFB4A8D9-856A-4BB4-A838-9D66C91E7606}" type="datetimeFigureOut">
               <a:rPr lang="en-US" smtClean="0"/>
-              <a:t>4/8/2023</a:t>
+              <a:t>4/23/2023</a:t>
             </a:fld>
             <a:endParaRPr lang="en-US"/>
           </a:p>
@@ -2663,7 +2668,7 @@
           <a:p>
             <a:fld id="{BFB4A8D9-856A-4BB4-A838-9D66C91E7606}" type="datetimeFigureOut">
               <a:rPr lang="en-US" smtClean="0"/>
-              <a:t>4/8/2023</a:t>
+              <a:t>4/23/2023</a:t>
             </a:fld>
             <a:endParaRPr lang="en-US"/>
           </a:p>
@@ -2904,7 +2909,7 @@
           <a:p>
             <a:fld id="{BFB4A8D9-856A-4BB4-A838-9D66C91E7606}" type="datetimeFigureOut">
               <a:rPr lang="en-US" smtClean="0"/>
-              <a:t>4/8/2023</a:t>
+              <a:t>4/23/2023</a:t>
             </a:fld>
             <a:endParaRPr lang="en-US"/>
           </a:p>
@@ -3335,10 +3340,10 @@
         </p:nvGrpSpPr>
         <p:grpSpPr>
           <a:xfrm>
-            <a:off x="0" y="0"/>
-            <a:ext cx="12192000" cy="6858000"/>
-            <a:chOff x="0" y="0"/>
-            <a:chExt cx="12192000" cy="6858000"/>
+            <a:off x="0" y="541868"/>
+            <a:ext cx="12192000" cy="5960532"/>
+            <a:chOff x="0" y="541868"/>
+            <a:chExt cx="12192000" cy="5960532"/>
           </a:xfrm>
         </p:grpSpPr>
         <p:pic>
@@ -3363,13 +3368,13 @@
                 </a:ext>
               </a:extLst>
             </a:blip>
-            <a:srcRect b="15286"/>
+            <a:srcRect t="6694" b="19681"/>
             <a:stretch/>
           </p:blipFill>
           <p:spPr bwMode="auto">
             <a:xfrm>
-              <a:off x="0" y="0"/>
-              <a:ext cx="12192000" cy="6858000"/>
+              <a:off x="0" y="541868"/>
+              <a:ext cx="12192000" cy="5960532"/>
             </a:xfrm>
             <a:prstGeom prst="rect">
               <a:avLst/>
@@ -3400,8 +3405,8 @@
           </p:nvSpPr>
           <p:spPr>
             <a:xfrm>
-              <a:off x="192506" y="304799"/>
-              <a:ext cx="6320590" cy="3256547"/>
+              <a:off x="0" y="1329267"/>
+              <a:ext cx="5920427" cy="3265013"/>
             </a:xfrm>
             <a:prstGeom prst="irregularSeal2">
               <a:avLst/>
@@ -3451,9 +3456,9 @@
             <p:nvPr/>
           </p:nvSpPr>
           <p:spPr>
-            <a:xfrm rot="20885225">
-              <a:off x="2574760" y="1744962"/>
-              <a:ext cx="2165684" cy="1107996"/>
+            <a:xfrm rot="20962478">
+              <a:off x="2231034" y="2789199"/>
+              <a:ext cx="2028572" cy="1110876"/>
             </a:xfrm>
             <a:prstGeom prst="rect">
               <a:avLst/>
@@ -3491,8 +3496,8 @@
           </p:nvSpPr>
           <p:spPr>
             <a:xfrm rot="21082227">
-              <a:off x="1822512" y="1154937"/>
-              <a:ext cx="4235116" cy="830997"/>
+              <a:off x="1546695" y="2218583"/>
+              <a:ext cx="3966986" cy="833157"/>
             </a:xfrm>
             <a:prstGeom prst="rect">
               <a:avLst/>
